--- a/Presentation_TP_Larisa_evening.pptx
+++ b/Presentation_TP_Larisa_evening.pptx
@@ -18,6 +18,7 @@
     <p:sldId id="266" r:id="rId12"/>
     <p:sldId id="267" r:id="rId13"/>
     <p:sldId id="268" r:id="rId14"/>
+    <p:sldId id="269" r:id="rId15"/>
   </p:sldIdLst>
   <p:sldSz cx="12192000" cy="6858000"/>
   <p:notesSz cx="6858000" cy="9144000"/>
@@ -12959,6 +12960,122 @@
 </p:sld>
 </file>
 
+<file path=ppt/slides/slide14.xml><?xml version="1.0" encoding="utf-8"?>
+<p:sld xmlns:a="http://schemas.openxmlformats.org/drawingml/2006/main" xmlns:r="http://schemas.openxmlformats.org/officeDocument/2006/relationships" xmlns:p="http://schemas.openxmlformats.org/presentationml/2006/main">
+  <p:cSld>
+    <p:spTree>
+      <p:nvGrpSpPr>
+        <p:cNvPr id="1" name=""/>
+        <p:cNvGrpSpPr/>
+        <p:nvPr/>
+      </p:nvGrpSpPr>
+      <p:grpSpPr>
+        <a:xfrm>
+          <a:off x="0" y="0"/>
+          <a:ext cx="0" cy="0"/>
+          <a:chOff x="0" y="0"/>
+          <a:chExt cx="0" cy="0"/>
+        </a:xfrm>
+      </p:grpSpPr>
+      <p:sp>
+        <p:nvSpPr>
+          <p:cNvPr id="2" name="Title 1"/>
+          <p:cNvSpPr>
+            <a:spLocks noGrp="1"/>
+          </p:cNvSpPr>
+          <p:nvPr>
+            <p:ph type="title"/>
+          </p:nvPr>
+        </p:nvSpPr>
+        <p:spPr>
+          <a:xfrm>
+            <a:off x="1285792" y="2182622"/>
+            <a:ext cx="9905998" cy="2774387"/>
+          </a:xfrm>
+        </p:spPr>
+        <p:txBody>
+          <a:bodyPr>
+            <a:normAutofit fontScale="90000"/>
+          </a:bodyPr>
+          <a:lstStyle/>
+          <a:p>
+            <a:r>
+              <a:rPr lang="en-US" dirty="0" smtClean="0"/>
+              <a:t>Thank you and good luck at </a:t>
+            </a:r>
+            <a:r>
+              <a:rPr lang="en-US" smtClean="0"/>
+              <a:t>your </a:t>
+            </a:r>
+            <a:br>
+              <a:rPr lang="en-US" smtClean="0"/>
+            </a:br>
+            <a:r>
+              <a:rPr lang="en-US" smtClean="0"/>
+              <a:t>presentations !</a:t>
+            </a:r>
+            <a:r>
+              <a:rPr lang="en-US" dirty="0" smtClean="0"/>
+              <a:t/>
+            </a:r>
+            <a:br>
+              <a:rPr lang="en-US" dirty="0" smtClean="0"/>
+            </a:br>
+            <a:r>
+              <a:rPr lang="en-US" dirty="0" smtClean="0"/>
+              <a:t/>
+            </a:r>
+            <a:br>
+              <a:rPr lang="en-US" dirty="0" smtClean="0"/>
+            </a:br>
+            <a:r>
+              <a:rPr lang="en-US" dirty="0"/>
+              <a:t>I hope you enjoyed our </a:t>
+            </a:r>
+            <a:r>
+              <a:rPr lang="en-US" dirty="0" smtClean="0"/>
+              <a:t>presentation, </a:t>
+            </a:r>
+            <a:r>
+              <a:rPr lang="en-US" dirty="0"/>
+              <a:t>as much </a:t>
+            </a:r>
+            <a:r>
+              <a:rPr lang="en-US" dirty="0" smtClean="0"/>
+              <a:t>as, </a:t>
+            </a:r>
+            <a:r>
+              <a:rPr lang="en-US" dirty="0"/>
+              <a:t>we </a:t>
+            </a:r>
+            <a:r>
+              <a:rPr lang="en-US" dirty="0" smtClean="0"/>
+              <a:t>did </a:t>
+            </a:r>
+            <a:r>
+              <a:rPr lang="en-US" dirty="0"/>
+              <a:t>working on the project!</a:t>
+            </a:r>
+            <a:br>
+              <a:rPr lang="en-US" dirty="0"/>
+            </a:br>
+            <a:endParaRPr lang="en-US" dirty="0"/>
+          </a:p>
+        </p:txBody>
+      </p:sp>
+    </p:spTree>
+    <p:extLst>
+      <p:ext uri="{BB962C8B-B14F-4D97-AF65-F5344CB8AC3E}">
+        <p14:creationId xmlns:p14="http://schemas.microsoft.com/office/powerpoint/2010/main" val="939774118"/>
+      </p:ext>
+    </p:extLst>
+  </p:cSld>
+  <p:clrMapOvr>
+    <a:masterClrMapping/>
+  </p:clrMapOvr>
+</p:sld>
+</file>
+
 <file path=ppt/slides/slide2.xml><?xml version="1.0" encoding="utf-8"?>
 <p:sld xmlns:a="http://schemas.openxmlformats.org/drawingml/2006/main" xmlns:r="http://schemas.openxmlformats.org/officeDocument/2006/relationships" xmlns:p="http://schemas.openxmlformats.org/presentationml/2006/main">
   <p:cSld>

--- a/Presentation_TP_Larisa_evening.pptx
+++ b/Presentation_TP_Larisa_evening.pptx
@@ -175,7 +175,7 @@
           <a:noFill/>
           <a:extLst>
             <a:ext uri="{909E8E84-426E-40dd-AFC4-6F175D3DCCD1}">
-              <a14:hiddenFill xmlns:a14="http://schemas.microsoft.com/office/drawing/2010/main" xmlns="">
+              <a14:hiddenFill xmlns="" xmlns:a14="http://schemas.microsoft.com/office/drawing/2010/main">
                 <a:solidFill>
                   <a:srgbClr val="FFFFFF"/>
                 </a:solidFill>
@@ -235,7 +235,7 @@
             </a:ln>
             <a:extLst>
               <a:ext uri="{91240B29-F687-4f45-9708-019B960494DF}">
-                <a14:hiddenLine xmlns:a14="http://schemas.microsoft.com/office/drawing/2010/main" xmlns="" w="9525">
+                <a14:hiddenLine xmlns="" xmlns:a14="http://schemas.microsoft.com/office/drawing/2010/main" w="9525">
                   <a:solidFill>
                     <a:srgbClr val="000000"/>
                   </a:solidFill>
@@ -325,7 +325,7 @@
             </a:ln>
             <a:extLst>
               <a:ext uri="{91240B29-F687-4f45-9708-019B960494DF}">
-                <a14:hiddenLine xmlns:a14="http://schemas.microsoft.com/office/drawing/2010/main" xmlns="" w="9525">
+                <a14:hiddenLine xmlns="" xmlns:a14="http://schemas.microsoft.com/office/drawing/2010/main" w="9525">
                   <a:solidFill>
                     <a:srgbClr val="000000"/>
                   </a:solidFill>
@@ -415,7 +415,7 @@
             </a:ln>
             <a:extLst>
               <a:ext uri="{91240B29-F687-4f45-9708-019B960494DF}">
-                <a14:hiddenLine xmlns:a14="http://schemas.microsoft.com/office/drawing/2010/main" xmlns="" w="9525">
+                <a14:hiddenLine xmlns="" xmlns:a14="http://schemas.microsoft.com/office/drawing/2010/main" w="9525">
                   <a:solidFill>
                     <a:srgbClr val="000000"/>
                   </a:solidFill>
@@ -449,7 +449,7 @@
             </a:ln>
             <a:extLst>
               <a:ext uri="{91240B29-F687-4f45-9708-019B960494DF}">
-                <a14:hiddenLine xmlns:a14="http://schemas.microsoft.com/office/drawing/2010/main" xmlns="" w="9525">
+                <a14:hiddenLine xmlns="" xmlns:a14="http://schemas.microsoft.com/office/drawing/2010/main" w="9525">
                   <a:solidFill>
                     <a:srgbClr val="000000"/>
                   </a:solidFill>
@@ -539,7 +539,7 @@
             </a:ln>
             <a:extLst>
               <a:ext uri="{91240B29-F687-4f45-9708-019B960494DF}">
-                <a14:hiddenLine xmlns:a14="http://schemas.microsoft.com/office/drawing/2010/main" xmlns="" w="9525">
+                <a14:hiddenLine xmlns="" xmlns:a14="http://schemas.microsoft.com/office/drawing/2010/main" w="9525">
                   <a:solidFill>
                     <a:srgbClr val="000000"/>
                   </a:solidFill>
@@ -601,7 +601,7 @@
             </a:ln>
             <a:extLst>
               <a:ext uri="{91240B29-F687-4f45-9708-019B960494DF}">
-                <a14:hiddenLine xmlns:a14="http://schemas.microsoft.com/office/drawing/2010/main" xmlns="" w="9525">
+                <a14:hiddenLine xmlns="" xmlns:a14="http://schemas.microsoft.com/office/drawing/2010/main" w="9525">
                   <a:solidFill>
                     <a:srgbClr val="000000"/>
                   </a:solidFill>
@@ -663,7 +663,7 @@
             </a:ln>
             <a:extLst>
               <a:ext uri="{91240B29-F687-4f45-9708-019B960494DF}">
-                <a14:hiddenLine xmlns:a14="http://schemas.microsoft.com/office/drawing/2010/main" xmlns="" w="9525">
+                <a14:hiddenLine xmlns="" xmlns:a14="http://schemas.microsoft.com/office/drawing/2010/main" w="9525">
                   <a:solidFill>
                     <a:srgbClr val="000000"/>
                   </a:solidFill>
@@ -753,7 +753,7 @@
             </a:ln>
             <a:extLst>
               <a:ext uri="{91240B29-F687-4f45-9708-019B960494DF}">
-                <a14:hiddenLine xmlns:a14="http://schemas.microsoft.com/office/drawing/2010/main" xmlns="" w="9525">
+                <a14:hiddenLine xmlns="" xmlns:a14="http://schemas.microsoft.com/office/drawing/2010/main" w="9525">
                   <a:solidFill>
                     <a:srgbClr val="000000"/>
                   </a:solidFill>
@@ -815,7 +815,7 @@
             </a:ln>
             <a:extLst>
               <a:ext uri="{91240B29-F687-4f45-9708-019B960494DF}">
-                <a14:hiddenLine xmlns:a14="http://schemas.microsoft.com/office/drawing/2010/main" xmlns="" w="9525">
+                <a14:hiddenLine xmlns="" xmlns:a14="http://schemas.microsoft.com/office/drawing/2010/main" w="9525">
                   <a:solidFill>
                     <a:srgbClr val="000000"/>
                   </a:solidFill>
@@ -877,7 +877,7 @@
             </a:ln>
             <a:extLst>
               <a:ext uri="{91240B29-F687-4f45-9708-019B960494DF}">
-                <a14:hiddenLine xmlns:a14="http://schemas.microsoft.com/office/drawing/2010/main" xmlns="" w="9525">
+                <a14:hiddenLine xmlns="" xmlns:a14="http://schemas.microsoft.com/office/drawing/2010/main" w="9525">
                   <a:solidFill>
                     <a:srgbClr val="000000"/>
                   </a:solidFill>
@@ -967,7 +967,7 @@
             </a:ln>
             <a:extLst>
               <a:ext uri="{91240B29-F687-4f45-9708-019B960494DF}">
-                <a14:hiddenLine xmlns:a14="http://schemas.microsoft.com/office/drawing/2010/main" xmlns="" w="9525">
+                <a14:hiddenLine xmlns="" xmlns:a14="http://schemas.microsoft.com/office/drawing/2010/main" w="9525">
                   <a:solidFill>
                     <a:srgbClr val="000000"/>
                   </a:solidFill>
@@ -1057,7 +1057,7 @@
             </a:ln>
             <a:extLst>
               <a:ext uri="{91240B29-F687-4f45-9708-019B960494DF}">
-                <a14:hiddenLine xmlns:a14="http://schemas.microsoft.com/office/drawing/2010/main" xmlns="" w="9525">
+                <a14:hiddenLine xmlns="" xmlns:a14="http://schemas.microsoft.com/office/drawing/2010/main" w="9525">
                   <a:solidFill>
                     <a:srgbClr val="000000"/>
                   </a:solidFill>
@@ -1119,7 +1119,7 @@
             </a:ln>
             <a:extLst>
               <a:ext uri="{91240B29-F687-4f45-9708-019B960494DF}">
-                <a14:hiddenLine xmlns:a14="http://schemas.microsoft.com/office/drawing/2010/main" xmlns="" w="9525">
+                <a14:hiddenLine xmlns="" xmlns:a14="http://schemas.microsoft.com/office/drawing/2010/main" w="9525">
                   <a:solidFill>
                     <a:srgbClr val="000000"/>
                   </a:solidFill>
@@ -1229,7 +1229,7 @@
             </a:ln>
             <a:extLst>
               <a:ext uri="{91240B29-F687-4f45-9708-019B960494DF}">
-                <a14:hiddenLine xmlns:a14="http://schemas.microsoft.com/office/drawing/2010/main" xmlns="" w="9525">
+                <a14:hiddenLine xmlns="" xmlns:a14="http://schemas.microsoft.com/office/drawing/2010/main" w="9525">
                   <a:solidFill>
                     <a:srgbClr val="000000"/>
                   </a:solidFill>
@@ -1291,7 +1291,7 @@
             </a:ln>
             <a:extLst>
               <a:ext uri="{91240B29-F687-4f45-9708-019B960494DF}">
-                <a14:hiddenLine xmlns:a14="http://schemas.microsoft.com/office/drawing/2010/main" xmlns="" w="9525">
+                <a14:hiddenLine xmlns="" xmlns:a14="http://schemas.microsoft.com/office/drawing/2010/main" w="9525">
                   <a:solidFill>
                     <a:srgbClr val="000000"/>
                   </a:solidFill>
@@ -1381,7 +1381,7 @@
             </a:ln>
             <a:extLst>
               <a:ext uri="{91240B29-F687-4f45-9708-019B960494DF}">
-                <a14:hiddenLine xmlns:a14="http://schemas.microsoft.com/office/drawing/2010/main" xmlns="" w="9525">
+                <a14:hiddenLine xmlns="" xmlns:a14="http://schemas.microsoft.com/office/drawing/2010/main" w="9525">
                   <a:solidFill>
                     <a:srgbClr val="000000"/>
                   </a:solidFill>
@@ -1471,7 +1471,7 @@
             </a:ln>
             <a:extLst>
               <a:ext uri="{91240B29-F687-4f45-9708-019B960494DF}">
-                <a14:hiddenLine xmlns:a14="http://schemas.microsoft.com/office/drawing/2010/main" xmlns="" w="9525">
+                <a14:hiddenLine xmlns="" xmlns:a14="http://schemas.microsoft.com/office/drawing/2010/main" w="9525">
                   <a:solidFill>
                     <a:srgbClr val="000000"/>
                   </a:solidFill>
@@ -1533,7 +1533,7 @@
             </a:ln>
             <a:extLst>
               <a:ext uri="{91240B29-F687-4f45-9708-019B960494DF}">
-                <a14:hiddenLine xmlns:a14="http://schemas.microsoft.com/office/drawing/2010/main" xmlns="" w="9525">
+                <a14:hiddenLine xmlns="" xmlns:a14="http://schemas.microsoft.com/office/drawing/2010/main" w="9525">
                   <a:solidFill>
                     <a:srgbClr val="000000"/>
                   </a:solidFill>
@@ -1623,7 +1623,7 @@
             </a:ln>
             <a:extLst>
               <a:ext uri="{91240B29-F687-4f45-9708-019B960494DF}">
-                <a14:hiddenLine xmlns:a14="http://schemas.microsoft.com/office/drawing/2010/main" xmlns="" w="9525">
+                <a14:hiddenLine xmlns="" xmlns:a14="http://schemas.microsoft.com/office/drawing/2010/main" w="9525">
                   <a:solidFill>
                     <a:srgbClr val="000000"/>
                   </a:solidFill>
@@ -1713,7 +1713,7 @@
             </a:ln>
             <a:extLst>
               <a:ext uri="{91240B29-F687-4f45-9708-019B960494DF}">
-                <a14:hiddenLine xmlns:a14="http://schemas.microsoft.com/office/drawing/2010/main" xmlns="" w="9525">
+                <a14:hiddenLine xmlns="" xmlns:a14="http://schemas.microsoft.com/office/drawing/2010/main" w="9525">
                   <a:solidFill>
                     <a:srgbClr val="000000"/>
                   </a:solidFill>
@@ -1769,7 +1769,7 @@
             </a:ln>
             <a:extLst>
               <a:ext uri="{91240B29-F687-4f45-9708-019B960494DF}">
-                <a14:hiddenLine xmlns:a14="http://schemas.microsoft.com/office/drawing/2010/main" xmlns="" w="9525">
+                <a14:hiddenLine xmlns="" xmlns:a14="http://schemas.microsoft.com/office/drawing/2010/main" w="9525">
                   <a:solidFill>
                     <a:srgbClr val="000000"/>
                   </a:solidFill>
@@ -1859,7 +1859,7 @@
             </a:ln>
             <a:extLst>
               <a:ext uri="{91240B29-F687-4f45-9708-019B960494DF}">
-                <a14:hiddenLine xmlns:a14="http://schemas.microsoft.com/office/drawing/2010/main" xmlns="" w="9525">
+                <a14:hiddenLine xmlns="" xmlns:a14="http://schemas.microsoft.com/office/drawing/2010/main" w="9525">
                   <a:solidFill>
                     <a:srgbClr val="000000"/>
                   </a:solidFill>
@@ -1915,7 +1915,7 @@
             </a:ln>
             <a:extLst>
               <a:ext uri="{91240B29-F687-4f45-9708-019B960494DF}">
-                <a14:hiddenLine xmlns:a14="http://schemas.microsoft.com/office/drawing/2010/main" xmlns="" w="9525">
+                <a14:hiddenLine xmlns="" xmlns:a14="http://schemas.microsoft.com/office/drawing/2010/main" w="9525">
                   <a:solidFill>
                     <a:srgbClr val="000000"/>
                   </a:solidFill>
@@ -2005,7 +2005,7 @@
             </a:ln>
             <a:extLst>
               <a:ext uri="{91240B29-F687-4f45-9708-019B960494DF}">
-                <a14:hiddenLine xmlns:a14="http://schemas.microsoft.com/office/drawing/2010/main" xmlns="" w="9525">
+                <a14:hiddenLine xmlns="" xmlns:a14="http://schemas.microsoft.com/office/drawing/2010/main" w="9525">
                   <a:solidFill>
                     <a:srgbClr val="000000"/>
                   </a:solidFill>
@@ -2073,7 +2073,7 @@
             </a:ln>
             <a:extLst>
               <a:ext uri="{91240B29-F687-4f45-9708-019B960494DF}">
-                <a14:hiddenLine xmlns:a14="http://schemas.microsoft.com/office/drawing/2010/main" xmlns="" w="9525">
+                <a14:hiddenLine xmlns="" xmlns:a14="http://schemas.microsoft.com/office/drawing/2010/main" w="9525">
                   <a:solidFill>
                     <a:srgbClr val="000000"/>
                   </a:solidFill>
@@ -2163,7 +2163,7 @@
             </a:ln>
             <a:extLst>
               <a:ext uri="{91240B29-F687-4f45-9708-019B960494DF}">
-                <a14:hiddenLine xmlns:a14="http://schemas.microsoft.com/office/drawing/2010/main" xmlns="" w="9525">
+                <a14:hiddenLine xmlns="" xmlns:a14="http://schemas.microsoft.com/office/drawing/2010/main" w="9525">
                   <a:solidFill>
                     <a:srgbClr val="000000"/>
                   </a:solidFill>
@@ -2231,7 +2231,7 @@
             </a:ln>
             <a:extLst>
               <a:ext uri="{91240B29-F687-4f45-9708-019B960494DF}">
-                <a14:hiddenLine xmlns:a14="http://schemas.microsoft.com/office/drawing/2010/main" xmlns="" w="9525">
+                <a14:hiddenLine xmlns="" xmlns:a14="http://schemas.microsoft.com/office/drawing/2010/main" w="9525">
                   <a:solidFill>
                     <a:srgbClr val="000000"/>
                   </a:solidFill>
@@ -2321,7 +2321,7 @@
             </a:ln>
             <a:extLst>
               <a:ext uri="{91240B29-F687-4f45-9708-019B960494DF}">
-                <a14:hiddenLine xmlns:a14="http://schemas.microsoft.com/office/drawing/2010/main" xmlns="" w="9525">
+                <a14:hiddenLine xmlns="" xmlns:a14="http://schemas.microsoft.com/office/drawing/2010/main" w="9525">
                   <a:solidFill>
                     <a:srgbClr val="000000"/>
                   </a:solidFill>
@@ -2355,7 +2355,7 @@
             </a:ln>
             <a:extLst>
               <a:ext uri="{91240B29-F687-4f45-9708-019B960494DF}">
-                <a14:hiddenLine xmlns:a14="http://schemas.microsoft.com/office/drawing/2010/main" xmlns="" w="9525">
+                <a14:hiddenLine xmlns="" xmlns:a14="http://schemas.microsoft.com/office/drawing/2010/main" w="9525">
                   <a:solidFill>
                     <a:srgbClr val="000000"/>
                   </a:solidFill>
@@ -2445,7 +2445,7 @@
             </a:ln>
             <a:extLst>
               <a:ext uri="{91240B29-F687-4f45-9708-019B960494DF}">
-                <a14:hiddenLine xmlns:a14="http://schemas.microsoft.com/office/drawing/2010/main" xmlns="" w="9525">
+                <a14:hiddenLine xmlns="" xmlns:a14="http://schemas.microsoft.com/office/drawing/2010/main" w="9525">
                   <a:solidFill>
                     <a:srgbClr val="000000"/>
                   </a:solidFill>
@@ -2507,7 +2507,7 @@
             </a:ln>
             <a:extLst>
               <a:ext uri="{91240B29-F687-4f45-9708-019B960494DF}">
-                <a14:hiddenLine xmlns:a14="http://schemas.microsoft.com/office/drawing/2010/main" xmlns="" w="9525">
+                <a14:hiddenLine xmlns="" xmlns:a14="http://schemas.microsoft.com/office/drawing/2010/main" w="9525">
                   <a:solidFill>
                     <a:srgbClr val="000000"/>
                   </a:solidFill>
@@ -2569,7 +2569,7 @@
             </a:ln>
             <a:extLst>
               <a:ext uri="{91240B29-F687-4f45-9708-019B960494DF}">
-                <a14:hiddenLine xmlns:a14="http://schemas.microsoft.com/office/drawing/2010/main" xmlns="" w="9525">
+                <a14:hiddenLine xmlns="" xmlns:a14="http://schemas.microsoft.com/office/drawing/2010/main" w="9525">
                   <a:solidFill>
                     <a:srgbClr val="000000"/>
                   </a:solidFill>
@@ -2659,7 +2659,7 @@
             </a:ln>
             <a:extLst>
               <a:ext uri="{91240B29-F687-4f45-9708-019B960494DF}">
-                <a14:hiddenLine xmlns:a14="http://schemas.microsoft.com/office/drawing/2010/main" xmlns="" w="9525">
+                <a14:hiddenLine xmlns="" xmlns:a14="http://schemas.microsoft.com/office/drawing/2010/main" w="9525">
                   <a:solidFill>
                     <a:srgbClr val="000000"/>
                   </a:solidFill>
@@ -2727,7 +2727,7 @@
             </a:ln>
             <a:extLst>
               <a:ext uri="{91240B29-F687-4f45-9708-019B960494DF}">
-                <a14:hiddenLine xmlns:a14="http://schemas.microsoft.com/office/drawing/2010/main" xmlns="" w="9525">
+                <a14:hiddenLine xmlns="" xmlns:a14="http://schemas.microsoft.com/office/drawing/2010/main" w="9525">
                   <a:solidFill>
                     <a:srgbClr val="000000"/>
                   </a:solidFill>
@@ -2789,7 +2789,7 @@
             </a:ln>
             <a:extLst>
               <a:ext uri="{91240B29-F687-4f45-9708-019B960494DF}">
-                <a14:hiddenLine xmlns:a14="http://schemas.microsoft.com/office/drawing/2010/main" xmlns="" w="9525">
+                <a14:hiddenLine xmlns="" xmlns:a14="http://schemas.microsoft.com/office/drawing/2010/main" w="9525">
                   <a:solidFill>
                     <a:srgbClr val="000000"/>
                   </a:solidFill>
@@ -2879,7 +2879,7 @@
             </a:ln>
             <a:extLst>
               <a:ext uri="{91240B29-F687-4f45-9708-019B960494DF}">
-                <a14:hiddenLine xmlns:a14="http://schemas.microsoft.com/office/drawing/2010/main" xmlns="" w="9525">
+                <a14:hiddenLine xmlns="" xmlns:a14="http://schemas.microsoft.com/office/drawing/2010/main" w="9525">
                   <a:solidFill>
                     <a:srgbClr val="000000"/>
                   </a:solidFill>
@@ -2941,7 +2941,7 @@
             </a:ln>
             <a:extLst>
               <a:ext uri="{91240B29-F687-4f45-9708-019B960494DF}">
-                <a14:hiddenLine xmlns:a14="http://schemas.microsoft.com/office/drawing/2010/main" xmlns="" w="9525">
+                <a14:hiddenLine xmlns="" xmlns:a14="http://schemas.microsoft.com/office/drawing/2010/main" w="9525">
                   <a:solidFill>
                     <a:srgbClr val="000000"/>
                   </a:solidFill>
@@ -3031,7 +3031,7 @@
             </a:ln>
             <a:extLst>
               <a:ext uri="{91240B29-F687-4f45-9708-019B960494DF}">
-                <a14:hiddenLine xmlns:a14="http://schemas.microsoft.com/office/drawing/2010/main" xmlns="" w="9525">
+                <a14:hiddenLine xmlns="" xmlns:a14="http://schemas.microsoft.com/office/drawing/2010/main" w="9525">
                   <a:solidFill>
                     <a:srgbClr val="000000"/>
                   </a:solidFill>
@@ -3093,7 +3093,7 @@
             </a:ln>
             <a:extLst>
               <a:ext uri="{91240B29-F687-4f45-9708-019B960494DF}">
-                <a14:hiddenLine xmlns:a14="http://schemas.microsoft.com/office/drawing/2010/main" xmlns="" w="9525">
+                <a14:hiddenLine xmlns="" xmlns:a14="http://schemas.microsoft.com/office/drawing/2010/main" w="9525">
                   <a:solidFill>
                     <a:srgbClr val="000000"/>
                   </a:solidFill>
@@ -3183,7 +3183,7 @@
             </a:ln>
             <a:extLst>
               <a:ext uri="{91240B29-F687-4f45-9708-019B960494DF}">
-                <a14:hiddenLine xmlns:a14="http://schemas.microsoft.com/office/drawing/2010/main" xmlns="" w="9525">
+                <a14:hiddenLine xmlns="" xmlns:a14="http://schemas.microsoft.com/office/drawing/2010/main" w="9525">
                   <a:solidFill>
                     <a:srgbClr val="000000"/>
                   </a:solidFill>
@@ -3217,7 +3217,7 @@
             </a:ln>
             <a:extLst>
               <a:ext uri="{91240B29-F687-4f45-9708-019B960494DF}">
-                <a14:hiddenLine xmlns:a14="http://schemas.microsoft.com/office/drawing/2010/main" xmlns="" w="9525">
+                <a14:hiddenLine xmlns="" xmlns:a14="http://schemas.microsoft.com/office/drawing/2010/main" w="9525">
                   <a:solidFill>
                     <a:srgbClr val="000000"/>
                   </a:solidFill>
@@ -3282,7 +3282,7 @@
             </a:ln>
             <a:extLst>
               <a:ext uri="{91240B29-F687-4f45-9708-019B960494DF}">
-                <a14:hiddenLine xmlns:a14="http://schemas.microsoft.com/office/drawing/2010/main" xmlns="" w="9525">
+                <a14:hiddenLine xmlns="" xmlns:a14="http://schemas.microsoft.com/office/drawing/2010/main" w="9525">
                   <a:solidFill>
                     <a:srgbClr val="000000"/>
                   </a:solidFill>
@@ -3372,7 +3372,7 @@
             </a:ln>
             <a:extLst>
               <a:ext uri="{91240B29-F687-4f45-9708-019B960494DF}">
-                <a14:hiddenLine xmlns:a14="http://schemas.microsoft.com/office/drawing/2010/main" xmlns="" w="9525">
+                <a14:hiddenLine xmlns="" xmlns:a14="http://schemas.microsoft.com/office/drawing/2010/main" w="9525">
                   <a:solidFill>
                     <a:srgbClr val="000000"/>
                   </a:solidFill>
@@ -3434,7 +3434,7 @@
             </a:ln>
             <a:extLst>
               <a:ext uri="{91240B29-F687-4f45-9708-019B960494DF}">
-                <a14:hiddenLine xmlns:a14="http://schemas.microsoft.com/office/drawing/2010/main" xmlns="" w="9525">
+                <a14:hiddenLine xmlns="" xmlns:a14="http://schemas.microsoft.com/office/drawing/2010/main" w="9525">
                   <a:solidFill>
                     <a:srgbClr val="000000"/>
                   </a:solidFill>
@@ -3524,7 +3524,7 @@
             </a:ln>
             <a:extLst>
               <a:ext uri="{91240B29-F687-4f45-9708-019B960494DF}">
-                <a14:hiddenLine xmlns:a14="http://schemas.microsoft.com/office/drawing/2010/main" xmlns="" w="9525">
+                <a14:hiddenLine xmlns="" xmlns:a14="http://schemas.microsoft.com/office/drawing/2010/main" w="9525">
                   <a:solidFill>
                     <a:srgbClr val="000000"/>
                   </a:solidFill>
@@ -3614,7 +3614,7 @@
             </a:ln>
             <a:extLst>
               <a:ext uri="{91240B29-F687-4f45-9708-019B960494DF}">
-                <a14:hiddenLine xmlns:a14="http://schemas.microsoft.com/office/drawing/2010/main" xmlns="" w="9525">
+                <a14:hiddenLine xmlns="" xmlns:a14="http://schemas.microsoft.com/office/drawing/2010/main" w="9525">
                   <a:solidFill>
                     <a:srgbClr val="000000"/>
                   </a:solidFill>
@@ -3679,7 +3679,7 @@
             </a:ln>
             <a:extLst>
               <a:ext uri="{91240B29-F687-4f45-9708-019B960494DF}">
-                <a14:hiddenLine xmlns:a14="http://schemas.microsoft.com/office/drawing/2010/main" xmlns="" w="9525">
+                <a14:hiddenLine xmlns="" xmlns:a14="http://schemas.microsoft.com/office/drawing/2010/main" w="9525">
                   <a:solidFill>
                     <a:srgbClr val="000000"/>
                   </a:solidFill>
@@ -3741,7 +3741,7 @@
             </a:ln>
             <a:extLst>
               <a:ext uri="{91240B29-F687-4f45-9708-019B960494DF}">
-                <a14:hiddenLine xmlns:a14="http://schemas.microsoft.com/office/drawing/2010/main" xmlns="" w="9525">
+                <a14:hiddenLine xmlns="" xmlns:a14="http://schemas.microsoft.com/office/drawing/2010/main" w="9525">
                   <a:solidFill>
                     <a:srgbClr val="000000"/>
                   </a:solidFill>
@@ -3831,7 +3831,7 @@
             </a:ln>
             <a:extLst>
               <a:ext uri="{91240B29-F687-4f45-9708-019B960494DF}">
-                <a14:hiddenLine xmlns:a14="http://schemas.microsoft.com/office/drawing/2010/main" xmlns="" w="9525">
+                <a14:hiddenLine xmlns="" xmlns:a14="http://schemas.microsoft.com/office/drawing/2010/main" w="9525">
                   <a:solidFill>
                     <a:srgbClr val="000000"/>
                   </a:solidFill>
@@ -3921,7 +3921,7 @@
             </a:ln>
             <a:extLst>
               <a:ext uri="{91240B29-F687-4f45-9708-019B960494DF}">
-                <a14:hiddenLine xmlns:a14="http://schemas.microsoft.com/office/drawing/2010/main" xmlns="" w="9525">
+                <a14:hiddenLine xmlns="" xmlns:a14="http://schemas.microsoft.com/office/drawing/2010/main" w="9525">
                   <a:solidFill>
                     <a:srgbClr val="000000"/>
                   </a:solidFill>
@@ -3983,7 +3983,7 @@
             </a:ln>
             <a:extLst>
               <a:ext uri="{91240B29-F687-4f45-9708-019B960494DF}">
-                <a14:hiddenLine xmlns:a14="http://schemas.microsoft.com/office/drawing/2010/main" xmlns="" w="9525">
+                <a14:hiddenLine xmlns="" xmlns:a14="http://schemas.microsoft.com/office/drawing/2010/main" w="9525">
                   <a:solidFill>
                     <a:srgbClr val="000000"/>
                   </a:solidFill>
@@ -4103,7 +4103,7 @@
             </a:ln>
             <a:extLst>
               <a:ext uri="{91240B29-F687-4f45-9708-019B960494DF}">
-                <a14:hiddenLine xmlns:a14="http://schemas.microsoft.com/office/drawing/2010/main" xmlns="" w="9525">
+                <a14:hiddenLine xmlns="" xmlns:a14="http://schemas.microsoft.com/office/drawing/2010/main" w="9525">
                   <a:solidFill>
                     <a:srgbClr val="000000"/>
                   </a:solidFill>
@@ -4171,7 +4171,7 @@
             </a:ln>
             <a:extLst>
               <a:ext uri="{91240B29-F687-4f45-9708-019B960494DF}">
-                <a14:hiddenLine xmlns:a14="http://schemas.microsoft.com/office/drawing/2010/main" xmlns="" w="9525">
+                <a14:hiddenLine xmlns="" xmlns:a14="http://schemas.microsoft.com/office/drawing/2010/main" w="9525">
                   <a:solidFill>
                     <a:srgbClr val="000000"/>
                   </a:solidFill>
@@ -4261,7 +4261,7 @@
             </a:ln>
             <a:extLst>
               <a:ext uri="{91240B29-F687-4f45-9708-019B960494DF}">
-                <a14:hiddenLine xmlns:a14="http://schemas.microsoft.com/office/drawing/2010/main" xmlns="" w="9525">
+                <a14:hiddenLine xmlns="" xmlns:a14="http://schemas.microsoft.com/office/drawing/2010/main" w="9525">
                   <a:solidFill>
                     <a:srgbClr val="000000"/>
                   </a:solidFill>
@@ -4401,7 +4401,7 @@
           <a:p>
             <a:fld id="{48A87A34-81AB-432B-8DAE-1953F412C126}" type="datetimeFigureOut">
               <a:rPr lang="en-US" dirty="0"/>
-              <a:t>3/7/18</a:t>
+              <a:t>3/8/18</a:t>
             </a:fld>
             <a:endParaRPr lang="en-US" dirty="0"/>
           </a:p>
@@ -4663,7 +4663,7 @@
           <a:p>
             <a:fld id="{48A87A34-81AB-432B-8DAE-1953F412C126}" type="datetimeFigureOut">
               <a:rPr lang="en-US" dirty="0"/>
-              <a:t>3/7/18</a:t>
+              <a:t>3/8/18</a:t>
             </a:fld>
             <a:endParaRPr lang="en-US" dirty="0"/>
           </a:p>
@@ -4854,7 +4854,7 @@
           <a:p>
             <a:fld id="{48A87A34-81AB-432B-8DAE-1953F412C126}" type="datetimeFigureOut">
               <a:rPr lang="en-US" dirty="0"/>
-              <a:t>3/7/18</a:t>
+              <a:t>3/8/18</a:t>
             </a:fld>
             <a:endParaRPr lang="en-US" dirty="0"/>
           </a:p>
@@ -5112,7 +5112,7 @@
           <a:p>
             <a:fld id="{48A87A34-81AB-432B-8DAE-1953F412C126}" type="datetimeFigureOut">
               <a:rPr lang="en-US" dirty="0"/>
-              <a:t>3/7/18</a:t>
+              <a:t>3/8/18</a:t>
             </a:fld>
             <a:endParaRPr lang="en-US" dirty="0"/>
           </a:p>
@@ -5541,7 +5541,7 @@
           <a:p>
             <a:fld id="{48A87A34-81AB-432B-8DAE-1953F412C126}" type="datetimeFigureOut">
               <a:rPr lang="en-US" dirty="0"/>
-              <a:t>3/7/18</a:t>
+              <a:t>3/8/18</a:t>
             </a:fld>
             <a:endParaRPr lang="en-US" dirty="0"/>
           </a:p>
@@ -6082,7 +6082,7 @@
           <a:p>
             <a:fld id="{48A87A34-81AB-432B-8DAE-1953F412C126}" type="datetimeFigureOut">
               <a:rPr lang="en-US" dirty="0"/>
-              <a:t>3/7/18</a:t>
+              <a:t>3/8/18</a:t>
             </a:fld>
             <a:endParaRPr lang="en-US" dirty="0"/>
           </a:p>
@@ -6797,7 +6797,7 @@
           <a:p>
             <a:fld id="{48A87A34-81AB-432B-8DAE-1953F412C126}" type="datetimeFigureOut">
               <a:rPr lang="en-US" dirty="0"/>
-              <a:t>3/7/18</a:t>
+              <a:t>3/8/18</a:t>
             </a:fld>
             <a:endParaRPr lang="en-US" dirty="0"/>
           </a:p>
@@ -6962,7 +6962,7 @@
           <a:p>
             <a:fld id="{48A87A34-81AB-432B-8DAE-1953F412C126}" type="datetimeFigureOut">
               <a:rPr lang="en-US" dirty="0"/>
-              <a:t>3/7/18</a:t>
+              <a:t>3/8/18</a:t>
             </a:fld>
             <a:endParaRPr lang="en-US" dirty="0"/>
           </a:p>
@@ -7137,7 +7137,7 @@
           <a:p>
             <a:fld id="{48A87A34-81AB-432B-8DAE-1953F412C126}" type="datetimeFigureOut">
               <a:rPr lang="en-US" dirty="0"/>
-              <a:t>3/7/18</a:t>
+              <a:t>3/8/18</a:t>
             </a:fld>
             <a:endParaRPr lang="en-US" dirty="0"/>
           </a:p>
@@ -7302,7 +7302,7 @@
           <a:p>
             <a:fld id="{48A87A34-81AB-432B-8DAE-1953F412C126}" type="datetimeFigureOut">
               <a:rPr lang="en-US" dirty="0"/>
-              <a:t>3/7/18</a:t>
+              <a:t>3/8/18</a:t>
             </a:fld>
             <a:endParaRPr lang="en-US" dirty="0"/>
           </a:p>
@@ -7547,7 +7547,7 @@
           <a:p>
             <a:fld id="{48A87A34-81AB-432B-8DAE-1953F412C126}" type="datetimeFigureOut">
               <a:rPr lang="en-US" dirty="0"/>
-              <a:t>3/7/18</a:t>
+              <a:t>3/8/18</a:t>
             </a:fld>
             <a:endParaRPr lang="en-US" dirty="0"/>
           </a:p>
@@ -7774,7 +7774,7 @@
           <a:p>
             <a:fld id="{48A87A34-81AB-432B-8DAE-1953F412C126}" type="datetimeFigureOut">
               <a:rPr lang="en-US" dirty="0"/>
-              <a:t>3/7/18</a:t>
+              <a:t>3/8/18</a:t>
             </a:fld>
             <a:endParaRPr lang="en-US" dirty="0"/>
           </a:p>
@@ -8150,7 +8150,7 @@
           <a:p>
             <a:fld id="{48A87A34-81AB-432B-8DAE-1953F412C126}" type="datetimeFigureOut">
               <a:rPr lang="en-US" dirty="0"/>
-              <a:t>3/7/18</a:t>
+              <a:t>3/8/18</a:t>
             </a:fld>
             <a:endParaRPr lang="en-US" dirty="0"/>
           </a:p>
@@ -8263,7 +8263,7 @@
           <a:p>
             <a:fld id="{48A87A34-81AB-432B-8DAE-1953F412C126}" type="datetimeFigureOut">
               <a:rPr lang="en-US" dirty="0"/>
-              <a:t>3/7/18</a:t>
+              <a:t>3/8/18</a:t>
             </a:fld>
             <a:endParaRPr lang="en-US" dirty="0"/>
           </a:p>
@@ -8353,7 +8353,7 @@
           <a:p>
             <a:fld id="{48A87A34-81AB-432B-8DAE-1953F412C126}" type="datetimeFigureOut">
               <a:rPr lang="en-US" dirty="0"/>
-              <a:t>3/7/18</a:t>
+              <a:t>3/8/18</a:t>
             </a:fld>
             <a:endParaRPr lang="en-US" dirty="0"/>
           </a:p>
@@ -8597,7 +8597,7 @@
           <a:p>
             <a:fld id="{48A87A34-81AB-432B-8DAE-1953F412C126}" type="datetimeFigureOut">
               <a:rPr lang="en-US" dirty="0"/>
-              <a:t>3/7/18</a:t>
+              <a:t>3/8/18</a:t>
             </a:fld>
             <a:endParaRPr lang="en-US" dirty="0"/>
           </a:p>
@@ -8872,7 +8872,7 @@
           <a:p>
             <a:fld id="{48A87A34-81AB-432B-8DAE-1953F412C126}" type="datetimeFigureOut">
               <a:rPr lang="en-US" dirty="0"/>
-              <a:t>3/7/18</a:t>
+              <a:t>3/8/18</a:t>
             </a:fld>
             <a:endParaRPr lang="en-US" dirty="0"/>
           </a:p>
@@ -8983,7 +8983,7 @@
           <a:noFill/>
           <a:extLst>
             <a:ext uri="{909E8E84-426E-40dd-AFC4-6F175D3DCCD1}">
-              <a14:hiddenFill xmlns:a14="http://schemas.microsoft.com/office/drawing/2010/main" xmlns="">
+              <a14:hiddenFill xmlns="" xmlns:a14="http://schemas.microsoft.com/office/drawing/2010/main">
                 <a:solidFill>
                   <a:srgbClr val="FFFFFF"/>
                 </a:solidFill>
@@ -9057,7 +9057,7 @@
               </a:ln>
               <a:extLst>
                 <a:ext uri="{91240B29-F687-4f45-9708-019B960494DF}">
-                  <a14:hiddenLine xmlns:a14="http://schemas.microsoft.com/office/drawing/2010/main" xmlns="" w="9525">
+                  <a14:hiddenLine xmlns="" xmlns:a14="http://schemas.microsoft.com/office/drawing/2010/main" w="9525">
                     <a:solidFill>
                       <a:srgbClr val="000000"/>
                     </a:solidFill>
@@ -9147,7 +9147,7 @@
               </a:ln>
               <a:extLst>
                 <a:ext uri="{91240B29-F687-4f45-9708-019B960494DF}">
-                  <a14:hiddenLine xmlns:a14="http://schemas.microsoft.com/office/drawing/2010/main" xmlns="" w="9525">
+                  <a14:hiddenLine xmlns="" xmlns:a14="http://schemas.microsoft.com/office/drawing/2010/main" w="9525">
                     <a:solidFill>
                       <a:srgbClr val="000000"/>
                     </a:solidFill>
@@ -9237,7 +9237,7 @@
               </a:ln>
               <a:extLst>
                 <a:ext uri="{91240B29-F687-4f45-9708-019B960494DF}">
-                  <a14:hiddenLine xmlns:a14="http://schemas.microsoft.com/office/drawing/2010/main" xmlns="" w="9525">
+                  <a14:hiddenLine xmlns="" xmlns:a14="http://schemas.microsoft.com/office/drawing/2010/main" w="9525">
                     <a:solidFill>
                       <a:srgbClr val="000000"/>
                     </a:solidFill>
@@ -9299,7 +9299,7 @@
               </a:ln>
               <a:extLst>
                 <a:ext uri="{91240B29-F687-4f45-9708-019B960494DF}">
-                  <a14:hiddenLine xmlns:a14="http://schemas.microsoft.com/office/drawing/2010/main" xmlns="" w="9525">
+                  <a14:hiddenLine xmlns="" xmlns:a14="http://schemas.microsoft.com/office/drawing/2010/main" w="9525">
                     <a:solidFill>
                       <a:srgbClr val="000000"/>
                     </a:solidFill>
@@ -9389,7 +9389,7 @@
               </a:ln>
               <a:extLst>
                 <a:ext uri="{91240B29-F687-4f45-9708-019B960494DF}">
-                  <a14:hiddenLine xmlns:a14="http://schemas.microsoft.com/office/drawing/2010/main" xmlns="" w="9525">
+                  <a14:hiddenLine xmlns="" xmlns:a14="http://schemas.microsoft.com/office/drawing/2010/main" w="9525">
                     <a:solidFill>
                       <a:srgbClr val="000000"/>
                     </a:solidFill>
@@ -9451,7 +9451,7 @@
               </a:ln>
               <a:extLst>
                 <a:ext uri="{91240B29-F687-4f45-9708-019B960494DF}">
-                  <a14:hiddenLine xmlns:a14="http://schemas.microsoft.com/office/drawing/2010/main" xmlns="" w="9525">
+                  <a14:hiddenLine xmlns="" xmlns:a14="http://schemas.microsoft.com/office/drawing/2010/main" w="9525">
                     <a:solidFill>
                       <a:srgbClr val="000000"/>
                     </a:solidFill>
@@ -9513,7 +9513,7 @@
               </a:ln>
               <a:extLst>
                 <a:ext uri="{91240B29-F687-4f45-9708-019B960494DF}">
-                  <a14:hiddenLine xmlns:a14="http://schemas.microsoft.com/office/drawing/2010/main" xmlns="" w="9525">
+                  <a14:hiddenLine xmlns="" xmlns:a14="http://schemas.microsoft.com/office/drawing/2010/main" w="9525">
                     <a:solidFill>
                       <a:srgbClr val="000000"/>
                     </a:solidFill>
@@ -9603,7 +9603,7 @@
               </a:ln>
               <a:extLst>
                 <a:ext uri="{91240B29-F687-4f45-9708-019B960494DF}">
-                  <a14:hiddenLine xmlns:a14="http://schemas.microsoft.com/office/drawing/2010/main" xmlns="" w="9525">
+                  <a14:hiddenLine xmlns="" xmlns:a14="http://schemas.microsoft.com/office/drawing/2010/main" w="9525">
                     <a:solidFill>
                       <a:srgbClr val="000000"/>
                     </a:solidFill>
@@ -9693,7 +9693,7 @@
               </a:ln>
               <a:extLst>
                 <a:ext uri="{91240B29-F687-4f45-9708-019B960494DF}">
-                  <a14:hiddenLine xmlns:a14="http://schemas.microsoft.com/office/drawing/2010/main" xmlns="" w="9525">
+                  <a14:hiddenLine xmlns="" xmlns:a14="http://schemas.microsoft.com/office/drawing/2010/main" w="9525">
                     <a:solidFill>
                       <a:srgbClr val="000000"/>
                     </a:solidFill>
@@ -9755,7 +9755,7 @@
               </a:ln>
               <a:extLst>
                 <a:ext uri="{91240B29-F687-4f45-9708-019B960494DF}">
-                  <a14:hiddenLine xmlns:a14="http://schemas.microsoft.com/office/drawing/2010/main" xmlns="" w="9525">
+                  <a14:hiddenLine xmlns="" xmlns:a14="http://schemas.microsoft.com/office/drawing/2010/main" w="9525">
                     <a:solidFill>
                       <a:srgbClr val="000000"/>
                     </a:solidFill>
@@ -9865,7 +9865,7 @@
               </a:ln>
               <a:extLst>
                 <a:ext uri="{91240B29-F687-4f45-9708-019B960494DF}">
-                  <a14:hiddenLine xmlns:a14="http://schemas.microsoft.com/office/drawing/2010/main" xmlns="" w="9525">
+                  <a14:hiddenLine xmlns="" xmlns:a14="http://schemas.microsoft.com/office/drawing/2010/main" w="9525">
                     <a:solidFill>
                       <a:srgbClr val="000000"/>
                     </a:solidFill>
@@ -9949,7 +9949,7 @@
               </a:ln>
               <a:extLst>
                 <a:ext uri="{91240B29-F687-4f45-9708-019B960494DF}">
-                  <a14:hiddenLine xmlns:a14="http://schemas.microsoft.com/office/drawing/2010/main" xmlns="" w="9525">
+                  <a14:hiddenLine xmlns="" xmlns:a14="http://schemas.microsoft.com/office/drawing/2010/main" w="9525">
                     <a:solidFill>
                       <a:srgbClr val="000000"/>
                     </a:solidFill>
@@ -10011,7 +10011,7 @@
               </a:ln>
               <a:extLst>
                 <a:ext uri="{91240B29-F687-4f45-9708-019B960494DF}">
-                  <a14:hiddenLine xmlns:a14="http://schemas.microsoft.com/office/drawing/2010/main" xmlns="" w="9525">
+                  <a14:hiddenLine xmlns="" xmlns:a14="http://schemas.microsoft.com/office/drawing/2010/main" w="9525">
                     <a:solidFill>
                       <a:srgbClr val="000000"/>
                     </a:solidFill>
@@ -10073,7 +10073,7 @@
               </a:ln>
               <a:extLst>
                 <a:ext uri="{91240B29-F687-4f45-9708-019B960494DF}">
-                  <a14:hiddenLine xmlns:a14="http://schemas.microsoft.com/office/drawing/2010/main" xmlns="" w="9525">
+                  <a14:hiddenLine xmlns="" xmlns:a14="http://schemas.microsoft.com/office/drawing/2010/main" w="9525">
                     <a:solidFill>
                       <a:srgbClr val="000000"/>
                     </a:solidFill>
@@ -10163,7 +10163,7 @@
               </a:ln>
               <a:extLst>
                 <a:ext uri="{91240B29-F687-4f45-9708-019B960494DF}">
-                  <a14:hiddenLine xmlns:a14="http://schemas.microsoft.com/office/drawing/2010/main" xmlns="" w="9525">
+                  <a14:hiddenLine xmlns="" xmlns:a14="http://schemas.microsoft.com/office/drawing/2010/main" w="9525">
                     <a:solidFill>
                       <a:srgbClr val="000000"/>
                     </a:solidFill>
@@ -10197,7 +10197,7 @@
               </a:ln>
               <a:extLst>
                 <a:ext uri="{91240B29-F687-4f45-9708-019B960494DF}">
-                  <a14:hiddenLine xmlns:a14="http://schemas.microsoft.com/office/drawing/2010/main" xmlns="" w="9525">
+                  <a14:hiddenLine xmlns="" xmlns:a14="http://schemas.microsoft.com/office/drawing/2010/main" w="9525">
                     <a:solidFill>
                       <a:srgbClr val="000000"/>
                     </a:solidFill>
@@ -10262,7 +10262,7 @@
               </a:ln>
               <a:extLst>
                 <a:ext uri="{91240B29-F687-4f45-9708-019B960494DF}">
-                  <a14:hiddenLine xmlns:a14="http://schemas.microsoft.com/office/drawing/2010/main" xmlns="" w="9525">
+                  <a14:hiddenLine xmlns="" xmlns:a14="http://schemas.microsoft.com/office/drawing/2010/main" w="9525">
                     <a:solidFill>
                       <a:srgbClr val="000000"/>
                     </a:solidFill>
@@ -10352,7 +10352,7 @@
               </a:ln>
               <a:extLst>
                 <a:ext uri="{91240B29-F687-4f45-9708-019B960494DF}">
-                  <a14:hiddenLine xmlns:a14="http://schemas.microsoft.com/office/drawing/2010/main" xmlns="" w="9525">
+                  <a14:hiddenLine xmlns="" xmlns:a14="http://schemas.microsoft.com/office/drawing/2010/main" w="9525">
                     <a:solidFill>
                       <a:srgbClr val="000000"/>
                     </a:solidFill>
@@ -10414,7 +10414,7 @@
               </a:ln>
               <a:extLst>
                 <a:ext uri="{91240B29-F687-4f45-9708-019B960494DF}">
-                  <a14:hiddenLine xmlns:a14="http://schemas.microsoft.com/office/drawing/2010/main" xmlns="" w="9525">
+                  <a14:hiddenLine xmlns="" xmlns:a14="http://schemas.microsoft.com/office/drawing/2010/main" w="9525">
                     <a:solidFill>
                       <a:srgbClr val="000000"/>
                     </a:solidFill>
@@ -10504,7 +10504,7 @@
               </a:ln>
               <a:extLst>
                 <a:ext uri="{91240B29-F687-4f45-9708-019B960494DF}">
-                  <a14:hiddenLine xmlns:a14="http://schemas.microsoft.com/office/drawing/2010/main" xmlns="" w="9525">
+                  <a14:hiddenLine xmlns="" xmlns:a14="http://schemas.microsoft.com/office/drawing/2010/main" w="9525">
                     <a:solidFill>
                       <a:srgbClr val="000000"/>
                     </a:solidFill>
@@ -10569,7 +10569,7 @@
               </a:ln>
               <a:extLst>
                 <a:ext uri="{91240B29-F687-4f45-9708-019B960494DF}">
-                  <a14:hiddenLine xmlns:a14="http://schemas.microsoft.com/office/drawing/2010/main" xmlns="" w="9525">
+                  <a14:hiddenLine xmlns="" xmlns:a14="http://schemas.microsoft.com/office/drawing/2010/main" w="9525">
                     <a:solidFill>
                       <a:srgbClr val="000000"/>
                     </a:solidFill>
@@ -10631,7 +10631,7 @@
               </a:ln>
               <a:extLst>
                 <a:ext uri="{91240B29-F687-4f45-9708-019B960494DF}">
-                  <a14:hiddenLine xmlns:a14="http://schemas.microsoft.com/office/drawing/2010/main" xmlns="" w="9525">
+                  <a14:hiddenLine xmlns="" xmlns:a14="http://schemas.microsoft.com/office/drawing/2010/main" w="9525">
                     <a:solidFill>
                       <a:srgbClr val="000000"/>
                     </a:solidFill>
@@ -10721,7 +10721,7 @@
               </a:ln>
               <a:extLst>
                 <a:ext uri="{91240B29-F687-4f45-9708-019B960494DF}">
-                  <a14:hiddenLine xmlns:a14="http://schemas.microsoft.com/office/drawing/2010/main" xmlns="" w="9525">
+                  <a14:hiddenLine xmlns="" xmlns:a14="http://schemas.microsoft.com/office/drawing/2010/main" w="9525">
                     <a:solidFill>
                       <a:srgbClr val="000000"/>
                     </a:solidFill>
@@ -10811,7 +10811,7 @@
               </a:ln>
               <a:extLst>
                 <a:ext uri="{91240B29-F687-4f45-9708-019B960494DF}">
-                  <a14:hiddenLine xmlns:a14="http://schemas.microsoft.com/office/drawing/2010/main" xmlns="" w="9525">
+                  <a14:hiddenLine xmlns="" xmlns:a14="http://schemas.microsoft.com/office/drawing/2010/main" w="9525">
                     <a:solidFill>
                       <a:srgbClr val="000000"/>
                     </a:solidFill>
@@ -10876,7 +10876,7 @@
               </a:ln>
               <a:extLst>
                 <a:ext uri="{91240B29-F687-4f45-9708-019B960494DF}">
-                  <a14:hiddenLine xmlns:a14="http://schemas.microsoft.com/office/drawing/2010/main" xmlns="" w="9525">
+                  <a14:hiddenLine xmlns="" xmlns:a14="http://schemas.microsoft.com/office/drawing/2010/main" w="9525">
                     <a:solidFill>
                       <a:srgbClr val="000000"/>
                     </a:solidFill>
@@ -10996,7 +10996,7 @@
               </a:ln>
               <a:extLst>
                 <a:ext uri="{91240B29-F687-4f45-9708-019B960494DF}">
-                  <a14:hiddenLine xmlns:a14="http://schemas.microsoft.com/office/drawing/2010/main" xmlns="" w="9525">
+                  <a14:hiddenLine xmlns="" xmlns:a14="http://schemas.microsoft.com/office/drawing/2010/main" w="9525">
                     <a:solidFill>
                       <a:srgbClr val="000000"/>
                     </a:solidFill>
@@ -11094,7 +11094,7 @@
               </a:ln>
               <a:extLst>
                 <a:ext uri="{91240B29-F687-4f45-9708-019B960494DF}">
-                  <a14:hiddenLine xmlns:a14="http://schemas.microsoft.com/office/drawing/2010/main" xmlns="" w="9525">
+                  <a14:hiddenLine xmlns="" xmlns:a14="http://schemas.microsoft.com/office/drawing/2010/main" w="9525">
                     <a:solidFill>
                       <a:srgbClr val="000000"/>
                     </a:solidFill>
@@ -11209,7 +11209,7 @@
               </a:ln>
               <a:extLst>
                 <a:ext uri="{91240B29-F687-4f45-9708-019B960494DF}">
-                  <a14:hiddenLine xmlns:a14="http://schemas.microsoft.com/office/drawing/2010/main" xmlns="" w="9525">
+                  <a14:hiddenLine xmlns="" xmlns:a14="http://schemas.microsoft.com/office/drawing/2010/main" w="9525">
                     <a:solidFill>
                       <a:srgbClr val="000000"/>
                     </a:solidFill>
@@ -11299,7 +11299,7 @@
               </a:ln>
               <a:extLst>
                 <a:ext uri="{91240B29-F687-4f45-9708-019B960494DF}">
-                  <a14:hiddenLine xmlns:a14="http://schemas.microsoft.com/office/drawing/2010/main" xmlns="" w="9525">
+                  <a14:hiddenLine xmlns="" xmlns:a14="http://schemas.microsoft.com/office/drawing/2010/main" w="9525">
                     <a:solidFill>
                       <a:srgbClr val="000000"/>
                     </a:solidFill>
@@ -11364,7 +11364,7 @@
               </a:ln>
               <a:extLst>
                 <a:ext uri="{91240B29-F687-4f45-9708-019B960494DF}">
-                  <a14:hiddenLine xmlns:a14="http://schemas.microsoft.com/office/drawing/2010/main" xmlns="" w="9525">
+                  <a14:hiddenLine xmlns="" xmlns:a14="http://schemas.microsoft.com/office/drawing/2010/main" w="9525">
                     <a:solidFill>
                       <a:srgbClr val="000000"/>
                     </a:solidFill>
@@ -11454,7 +11454,7 @@
               </a:ln>
               <a:extLst>
                 <a:ext uri="{91240B29-F687-4f45-9708-019B960494DF}">
-                  <a14:hiddenLine xmlns:a14="http://schemas.microsoft.com/office/drawing/2010/main" xmlns="" w="9525">
+                  <a14:hiddenLine xmlns="" xmlns:a14="http://schemas.microsoft.com/office/drawing/2010/main" w="9525">
                     <a:solidFill>
                       <a:srgbClr val="000000"/>
                     </a:solidFill>
@@ -11522,7 +11522,7 @@
               </a:ln>
               <a:extLst>
                 <a:ext uri="{91240B29-F687-4f45-9708-019B960494DF}">
-                  <a14:hiddenLine xmlns:a14="http://schemas.microsoft.com/office/drawing/2010/main" xmlns="" w="9525">
+                  <a14:hiddenLine xmlns="" xmlns:a14="http://schemas.microsoft.com/office/drawing/2010/main" w="9525">
                     <a:solidFill>
                       <a:srgbClr val="000000"/>
                     </a:solidFill>
@@ -11612,7 +11612,7 @@
               </a:ln>
               <a:extLst>
                 <a:ext uri="{91240B29-F687-4f45-9708-019B960494DF}">
-                  <a14:hiddenLine xmlns:a14="http://schemas.microsoft.com/office/drawing/2010/main" xmlns="" w="9525">
+                  <a14:hiddenLine xmlns="" xmlns:a14="http://schemas.microsoft.com/office/drawing/2010/main" w="9525">
                     <a:solidFill>
                       <a:srgbClr val="000000"/>
                     </a:solidFill>
@@ -11680,7 +11680,7 @@
               </a:ln>
               <a:extLst>
                 <a:ext uri="{91240B29-F687-4f45-9708-019B960494DF}">
-                  <a14:hiddenLine xmlns:a14="http://schemas.microsoft.com/office/drawing/2010/main" xmlns="" w="9525">
+                  <a14:hiddenLine xmlns="" xmlns:a14="http://schemas.microsoft.com/office/drawing/2010/main" w="9525">
                     <a:solidFill>
                       <a:srgbClr val="000000"/>
                     </a:solidFill>
@@ -11770,7 +11770,7 @@
               </a:ln>
               <a:extLst>
                 <a:ext uri="{91240B29-F687-4f45-9708-019B960494DF}">
-                  <a14:hiddenLine xmlns:a14="http://schemas.microsoft.com/office/drawing/2010/main" xmlns="" w="9525">
+                  <a14:hiddenLine xmlns="" xmlns:a14="http://schemas.microsoft.com/office/drawing/2010/main" w="9525">
                     <a:solidFill>
                       <a:srgbClr val="000000"/>
                     </a:solidFill>
@@ -11804,7 +11804,7 @@
               </a:ln>
               <a:extLst>
                 <a:ext uri="{91240B29-F687-4f45-9708-019B960494DF}">
-                  <a14:hiddenLine xmlns:a14="http://schemas.microsoft.com/office/drawing/2010/main" xmlns="" w="9525">
+                  <a14:hiddenLine xmlns="" xmlns:a14="http://schemas.microsoft.com/office/drawing/2010/main" w="9525">
                     <a:solidFill>
                       <a:srgbClr val="000000"/>
                     </a:solidFill>
@@ -11945,7 +11945,7 @@
             <a:fld id="{48A87A34-81AB-432B-8DAE-1953F412C126}" type="datetimeFigureOut">
               <a:rPr lang="en-US" dirty="0"/>
               <a:pPr/>
-              <a:t>3/7/18</a:t>
+              <a:t>3/8/18</a:t>
             </a:fld>
             <a:endParaRPr lang="en-US" dirty="0"/>
           </a:p>
@@ -12455,6 +12455,13 @@
   <p:clrMapOvr>
     <a:masterClrMapping/>
   </p:clrMapOvr>
+  <p:timing>
+    <p:tnLst>
+      <p:par>
+        <p:cTn id="1" dur="indefinite" restart="never" nodeType="tmRoot"/>
+      </p:par>
+    </p:tnLst>
+  </p:timing>
 </p:sld>
 </file>
 
@@ -12516,11 +12523,13 @@
         <p:spPr>
           <a:xfrm>
             <a:off x="1141412" y="1514475"/>
-            <a:ext cx="9905999" cy="4276726"/>
+            <a:ext cx="5245101" cy="4524375"/>
           </a:xfrm>
         </p:spPr>
         <p:txBody>
-          <a:bodyPr/>
+          <a:bodyPr>
+            <a:normAutofit fontScale="92500" lnSpcReduction="20000"/>
+          </a:bodyPr>
           <a:lstStyle/>
           <a:p>
             <a:r>
@@ -12554,6 +12563,241 @@
               <a:t> the rest has to be Dialogs.</a:t>
             </a:r>
           </a:p>
+          <a:p>
+            <a:endParaRPr lang="en-US" dirty="0" smtClean="0"/>
+          </a:p>
+          <a:p>
+            <a:endParaRPr lang="en-US" dirty="0"/>
+          </a:p>
+        </p:txBody>
+      </p:sp>
+      <p:pic>
+        <p:nvPicPr>
+          <p:cNvPr id="4" name="Picture 3"/>
+          <p:cNvPicPr>
+            <a:picLocks noChangeAspect="1"/>
+          </p:cNvPicPr>
+          <p:nvPr/>
+        </p:nvPicPr>
+        <p:blipFill>
+          <a:blip r:embed="rId2">
+            <a:extLst>
+              <a:ext uri="{28A0092B-C50C-407E-A947-70E740481C1C}">
+                <a14:useLocalDpi xmlns:a14="http://schemas.microsoft.com/office/drawing/2010/main" val="0"/>
+              </a:ext>
+            </a:extLst>
+          </a:blip>
+          <a:stretch>
+            <a:fillRect/>
+          </a:stretch>
+        </p:blipFill>
+        <p:spPr>
+          <a:xfrm>
+            <a:off x="6261067" y="618518"/>
+            <a:ext cx="5678608" cy="3196245"/>
+          </a:xfrm>
+          <a:prstGeom prst="rect">
+            <a:avLst/>
+          </a:prstGeom>
+          <a:effectLst>
+            <a:softEdge rad="203200"/>
+          </a:effectLst>
+        </p:spPr>
+      </p:pic>
+      <p:sp>
+        <p:nvSpPr>
+          <p:cNvPr id="5" name="Content Placeholder 2"/>
+          <p:cNvSpPr txBox="1">
+            <a:spLocks/>
+          </p:cNvSpPr>
+          <p:nvPr/>
+        </p:nvSpPr>
+        <p:spPr>
+          <a:xfrm>
+            <a:off x="6765925" y="3957638"/>
+            <a:ext cx="4971969" cy="2081212"/>
+          </a:xfrm>
+          <a:prstGeom prst="rect">
+            <a:avLst/>
+          </a:prstGeom>
+        </p:spPr>
+        <p:txBody>
+          <a:bodyPr vert="horz" lIns="91440" tIns="45720" rIns="91440" bIns="45720" rtlCol="0">
+            <a:normAutofit fontScale="92500"/>
+          </a:bodyPr>
+          <a:lstStyle>
+            <a:lvl1pPr marL="228600" indent="-228600" algn="l" defTabSz="914400" rtl="0" eaLnBrk="1" latinLnBrk="0" hangingPunct="1">
+              <a:lnSpc>
+                <a:spcPct val="120000"/>
+              </a:lnSpc>
+              <a:spcBef>
+                <a:spcPts val="1000"/>
+              </a:spcBef>
+              <a:buSzPct val="125000"/>
+              <a:buFont typeface="Arial" panose="020B0604020202020204" pitchFamily="34" charset="0"/>
+              <a:buChar char="•"/>
+              <a:defRPr sz="2400" kern="1200">
+                <a:solidFill>
+                  <a:schemeClr val="tx1"/>
+                </a:solidFill>
+                <a:latin typeface="+mn-lt"/>
+                <a:ea typeface="+mn-ea"/>
+                <a:cs typeface="+mn-cs"/>
+              </a:defRPr>
+            </a:lvl1pPr>
+            <a:lvl2pPr marL="685800" indent="-228600" algn="l" defTabSz="914400" rtl="0" eaLnBrk="1" latinLnBrk="0" hangingPunct="1">
+              <a:lnSpc>
+                <a:spcPct val="120000"/>
+              </a:lnSpc>
+              <a:spcBef>
+                <a:spcPts val="500"/>
+              </a:spcBef>
+              <a:buSzPct val="125000"/>
+              <a:buFont typeface="Arial" panose="020B0604020202020204" pitchFamily="34" charset="0"/>
+              <a:buChar char="•"/>
+              <a:defRPr sz="2000" kern="1200">
+                <a:solidFill>
+                  <a:schemeClr val="tx1"/>
+                </a:solidFill>
+                <a:latin typeface="+mn-lt"/>
+                <a:ea typeface="+mn-ea"/>
+                <a:cs typeface="+mn-cs"/>
+              </a:defRPr>
+            </a:lvl2pPr>
+            <a:lvl3pPr marL="1143000" indent="-228600" algn="l" defTabSz="914400" rtl="0" eaLnBrk="1" latinLnBrk="0" hangingPunct="1">
+              <a:lnSpc>
+                <a:spcPct val="120000"/>
+              </a:lnSpc>
+              <a:spcBef>
+                <a:spcPts val="500"/>
+              </a:spcBef>
+              <a:buSzPct val="125000"/>
+              <a:buFont typeface="Arial" panose="020B0604020202020204" pitchFamily="34" charset="0"/>
+              <a:buChar char="•"/>
+              <a:defRPr sz="1800" kern="1200">
+                <a:solidFill>
+                  <a:schemeClr val="tx1"/>
+                </a:solidFill>
+                <a:latin typeface="+mn-lt"/>
+                <a:ea typeface="+mn-ea"/>
+                <a:cs typeface="+mn-cs"/>
+              </a:defRPr>
+            </a:lvl3pPr>
+            <a:lvl4pPr marL="1600200" indent="-228600" algn="l" defTabSz="914400" rtl="0" eaLnBrk="1" latinLnBrk="0" hangingPunct="1">
+              <a:lnSpc>
+                <a:spcPct val="120000"/>
+              </a:lnSpc>
+              <a:spcBef>
+                <a:spcPts val="500"/>
+              </a:spcBef>
+              <a:buSzPct val="125000"/>
+              <a:buFont typeface="Arial" panose="020B0604020202020204" pitchFamily="34" charset="0"/>
+              <a:buChar char="•"/>
+              <a:defRPr sz="1600" kern="1200">
+                <a:solidFill>
+                  <a:schemeClr val="tx1"/>
+                </a:solidFill>
+                <a:latin typeface="+mn-lt"/>
+                <a:ea typeface="+mn-ea"/>
+                <a:cs typeface="+mn-cs"/>
+              </a:defRPr>
+            </a:lvl4pPr>
+            <a:lvl5pPr marL="2057400" indent="-228600" algn="l" defTabSz="914400" rtl="0" eaLnBrk="1" latinLnBrk="0" hangingPunct="1">
+              <a:lnSpc>
+                <a:spcPct val="120000"/>
+              </a:lnSpc>
+              <a:spcBef>
+                <a:spcPts val="500"/>
+              </a:spcBef>
+              <a:buSzPct val="125000"/>
+              <a:buFont typeface="Arial" panose="020B0604020202020204" pitchFamily="34" charset="0"/>
+              <a:buChar char="•"/>
+              <a:defRPr sz="1600" kern="1200">
+                <a:solidFill>
+                  <a:schemeClr val="tx1"/>
+                </a:solidFill>
+                <a:latin typeface="+mn-lt"/>
+                <a:ea typeface="+mn-ea"/>
+                <a:cs typeface="+mn-cs"/>
+              </a:defRPr>
+            </a:lvl5pPr>
+            <a:lvl6pPr marL="2514600" indent="-228600" algn="l" defTabSz="914400" rtl="0" eaLnBrk="1" latinLnBrk="0" hangingPunct="1">
+              <a:lnSpc>
+                <a:spcPct val="120000"/>
+              </a:lnSpc>
+              <a:spcBef>
+                <a:spcPts val="500"/>
+              </a:spcBef>
+              <a:buSzPct val="125000"/>
+              <a:buFont typeface="Arial" panose="020B0604020202020204" pitchFamily="34" charset="0"/>
+              <a:buChar char="•"/>
+              <a:defRPr sz="1400" kern="1200">
+                <a:solidFill>
+                  <a:schemeClr val="tx1"/>
+                </a:solidFill>
+                <a:latin typeface="+mn-lt"/>
+                <a:ea typeface="+mn-ea"/>
+                <a:cs typeface="+mn-cs"/>
+              </a:defRPr>
+            </a:lvl6pPr>
+            <a:lvl7pPr marL="2971800" indent="-228600" algn="l" defTabSz="914400" rtl="0" eaLnBrk="1" latinLnBrk="0" hangingPunct="1">
+              <a:lnSpc>
+                <a:spcPct val="120000"/>
+              </a:lnSpc>
+              <a:spcBef>
+                <a:spcPts val="500"/>
+              </a:spcBef>
+              <a:buSzPct val="125000"/>
+              <a:buFont typeface="Arial" panose="020B0604020202020204" pitchFamily="34" charset="0"/>
+              <a:buChar char="•"/>
+              <a:defRPr sz="1400" kern="1200">
+                <a:solidFill>
+                  <a:schemeClr val="tx1"/>
+                </a:solidFill>
+                <a:latin typeface="+mn-lt"/>
+                <a:ea typeface="+mn-ea"/>
+                <a:cs typeface="+mn-cs"/>
+              </a:defRPr>
+            </a:lvl7pPr>
+            <a:lvl8pPr marL="3429000" indent="-228600" algn="l" defTabSz="914400" rtl="0" eaLnBrk="1" latinLnBrk="0" hangingPunct="1">
+              <a:lnSpc>
+                <a:spcPct val="120000"/>
+              </a:lnSpc>
+              <a:spcBef>
+                <a:spcPts val="500"/>
+              </a:spcBef>
+              <a:buSzPct val="125000"/>
+              <a:buFont typeface="Arial" panose="020B0604020202020204" pitchFamily="34" charset="0"/>
+              <a:buChar char="•"/>
+              <a:defRPr sz="1400" kern="1200">
+                <a:solidFill>
+                  <a:schemeClr val="tx1"/>
+                </a:solidFill>
+                <a:latin typeface="+mn-lt"/>
+                <a:ea typeface="+mn-ea"/>
+                <a:cs typeface="+mn-cs"/>
+              </a:defRPr>
+            </a:lvl8pPr>
+            <a:lvl9pPr marL="3886200" indent="-228600" algn="l" defTabSz="914400" rtl="0" eaLnBrk="1" latinLnBrk="0" hangingPunct="1">
+              <a:lnSpc>
+                <a:spcPct val="120000"/>
+              </a:lnSpc>
+              <a:spcBef>
+                <a:spcPts val="500"/>
+              </a:spcBef>
+              <a:buSzPct val="125000"/>
+              <a:buFont typeface="Arial" panose="020B0604020202020204" pitchFamily="34" charset="0"/>
+              <a:buChar char="•"/>
+              <a:defRPr sz="1400" kern="1200">
+                <a:solidFill>
+                  <a:schemeClr val="tx1"/>
+                </a:solidFill>
+                <a:latin typeface="+mn-lt"/>
+                <a:ea typeface="+mn-ea"/>
+                <a:cs typeface="+mn-cs"/>
+              </a:defRPr>
+            </a:lvl9pPr>
+          </a:lstStyle>
           <a:p>
             <a:r>
               <a:rPr lang="en-US" dirty="0" smtClean="0"/>
@@ -12771,7 +13015,7 @@
         </p:spPr>
         <p:txBody>
           <a:bodyPr>
-            <a:normAutofit fontScale="92500" lnSpcReduction="10000"/>
+            <a:normAutofit fontScale="92500" lnSpcReduction="20000"/>
           </a:bodyPr>
           <a:lstStyle/>
           <a:p>
@@ -12807,8 +13051,19 @@
           <a:p>
             <a:r>
               <a:rPr lang="en-US" dirty="0" smtClean="0"/>
-              <a:t>Give the option of choice for the budget planning(Manual or Statistical).</a:t>
-            </a:r>
+              <a:t>Give the option of choice for the budget planning(Manual or Statistical</a:t>
+            </a:r>
+            <a:r>
+              <a:rPr lang="en-US" dirty="0" smtClean="0"/>
+              <a:t>).</a:t>
+            </a:r>
+          </a:p>
+          <a:p>
+            <a:r>
+              <a:rPr lang="en-US" dirty="0" smtClean="0"/>
+              <a:t>Improve the design.</a:t>
+            </a:r>
+            <a:endParaRPr lang="en-US" dirty="0" smtClean="0"/>
           </a:p>
           <a:p>
             <a:endParaRPr lang="en-US" dirty="0"/>
@@ -12989,8 +13244,8 @@
         </p:nvSpPr>
         <p:spPr>
           <a:xfrm>
-            <a:off x="1285792" y="2182622"/>
-            <a:ext cx="9905998" cy="2774387"/>
+            <a:off x="1285792" y="468122"/>
+            <a:ext cx="9905998" cy="2417953"/>
           </a:xfrm>
         </p:spPr>
         <p:txBody>
@@ -13000,23 +13255,24 @@
           <a:lstStyle/>
           <a:p>
             <a:r>
+              <a:rPr lang="en-US" smtClean="0"/>
+              <a:t>good </a:t>
+            </a:r>
+            <a:r>
               <a:rPr lang="en-US" dirty="0" smtClean="0"/>
-              <a:t>Thank you and good luck at </a:t>
+              <a:t>luck at </a:t>
             </a:r>
             <a:r>
               <a:rPr lang="en-US" smtClean="0"/>
               <a:t>your </a:t>
             </a:r>
-            <a:br>
+            <a:r>
               <a:rPr lang="en-US" smtClean="0"/>
-            </a:br>
-            <a:r>
-              <a:rPr lang="en-US" smtClean="0"/>
-              <a:t>presentations !</a:t>
+              <a:t>presentations </a:t>
             </a:r>
             <a:r>
               <a:rPr lang="en-US" dirty="0" smtClean="0"/>
-              <a:t/>
+              <a:t>!</a:t>
             </a:r>
             <a:br>
               <a:rPr lang="en-US" dirty="0" smtClean="0"/>
@@ -13063,6 +13319,39 @@
           </a:p>
         </p:txBody>
       </p:sp>
+      <p:pic>
+        <p:nvPicPr>
+          <p:cNvPr id="3" name="Picture 2"/>
+          <p:cNvPicPr>
+            <a:picLocks noChangeAspect="1"/>
+          </p:cNvPicPr>
+          <p:nvPr/>
+        </p:nvPicPr>
+        <p:blipFill>
+          <a:blip r:embed="rId2">
+            <a:extLst>
+              <a:ext uri="{28A0092B-C50C-407E-A947-70E740481C1C}">
+                <a14:useLocalDpi xmlns:a14="http://schemas.microsoft.com/office/drawing/2010/main" val="0"/>
+              </a:ext>
+            </a:extLst>
+          </a:blip>
+          <a:stretch>
+            <a:fillRect/>
+          </a:stretch>
+        </p:blipFill>
+        <p:spPr>
+          <a:xfrm>
+            <a:off x="2635250" y="2497137"/>
+            <a:ext cx="7408863" cy="3899401"/>
+          </a:xfrm>
+          <a:prstGeom prst="rect">
+            <a:avLst/>
+          </a:prstGeom>
+          <a:effectLst>
+            <a:softEdge rad="457200"/>
+          </a:effectLst>
+        </p:spPr>
+      </p:pic>
     </p:spTree>
     <p:extLst>
       <p:ext uri="{BB962C8B-B14F-4D97-AF65-F5344CB8AC3E}">
@@ -13073,6 +13362,13 @@
   <p:clrMapOvr>
     <a:masterClrMapping/>
   </p:clrMapOvr>
+  <p:timing>
+    <p:tnLst>
+      <p:par>
+        <p:cTn id="1" dur="indefinite" restart="never" nodeType="tmRoot"/>
+      </p:par>
+    </p:tnLst>
+  </p:timing>
 </p:sld>
 </file>
 
@@ -13103,7 +13399,12 @@
             <p:ph type="title"/>
           </p:nvPr>
         </p:nvSpPr>
-        <p:spPr/>
+        <p:spPr>
+          <a:xfrm>
+            <a:off x="1141413" y="618518"/>
+            <a:ext cx="9905998" cy="921524"/>
+          </a:xfrm>
+        </p:spPr>
         <p:txBody>
           <a:bodyPr/>
           <a:lstStyle/>
@@ -13126,10 +13427,15 @@
             <p:ph idx="1"/>
           </p:nvPr>
         </p:nvSpPr>
-        <p:spPr/>
+        <p:spPr>
+          <a:xfrm>
+            <a:off x="1141413" y="1540042"/>
+            <a:ext cx="4859338" cy="4535905"/>
+          </a:xfrm>
+        </p:spPr>
         <p:txBody>
           <a:bodyPr>
-            <a:normAutofit lnSpcReduction="10000"/>
+            <a:normAutofit fontScale="92500"/>
           </a:bodyPr>
           <a:lstStyle/>
           <a:p>
@@ -13141,7 +13447,15 @@
           <a:p>
             <a:r>
               <a:rPr lang="en-US" dirty="0" smtClean="0"/>
-              <a:t>When you decide to find the type of expenses you can lower in order to save some money for something else.</a:t>
+              <a:t>When you decide to find the type of expenses you </a:t>
+            </a:r>
+            <a:r>
+              <a:rPr lang="en-US" dirty="0" smtClean="0"/>
+              <a:t>can </a:t>
+            </a:r>
+            <a:r>
+              <a:rPr lang="en-US" dirty="0" smtClean="0"/>
+              <a:t>lower in order to save some money for something else.</a:t>
             </a:r>
           </a:p>
           <a:p>
@@ -13154,6 +13468,248 @@
             <a:r>
               <a:rPr lang="en-US" dirty="0" smtClean="0"/>
               <a:t>When you what to be more conscious of your spending vs income and vs budget.</a:t>
+            </a:r>
+            <a:endParaRPr lang="en-US" dirty="0"/>
+          </a:p>
+        </p:txBody>
+      </p:sp>
+      <p:pic>
+        <p:nvPicPr>
+          <p:cNvPr id="4" name="Picture 3"/>
+          <p:cNvPicPr>
+            <a:picLocks noChangeAspect="1"/>
+          </p:cNvPicPr>
+          <p:nvPr/>
+        </p:nvPicPr>
+        <p:blipFill>
+          <a:blip r:embed="rId2">
+            <a:extLst>
+              <a:ext uri="{28A0092B-C50C-407E-A947-70E740481C1C}">
+                <a14:useLocalDpi xmlns:a14="http://schemas.microsoft.com/office/drawing/2010/main" val="0"/>
+              </a:ext>
+            </a:extLst>
+          </a:blip>
+          <a:stretch>
+            <a:fillRect/>
+          </a:stretch>
+        </p:blipFill>
+        <p:spPr>
+          <a:xfrm>
+            <a:off x="6021900" y="3115295"/>
+            <a:ext cx="5393813" cy="2960652"/>
+          </a:xfrm>
+          <a:prstGeom prst="rect">
+            <a:avLst/>
+          </a:prstGeom>
+          <a:effectLst>
+            <a:softEdge rad="215900"/>
+          </a:effectLst>
+        </p:spPr>
+      </p:pic>
+      <p:sp>
+        <p:nvSpPr>
+          <p:cNvPr id="5" name="Content Placeholder 2"/>
+          <p:cNvSpPr txBox="1">
+            <a:spLocks/>
+          </p:cNvSpPr>
+          <p:nvPr/>
+        </p:nvSpPr>
+        <p:spPr>
+          <a:xfrm>
+            <a:off x="6315075" y="1540041"/>
+            <a:ext cx="4993654" cy="1631783"/>
+          </a:xfrm>
+          <a:prstGeom prst="rect">
+            <a:avLst/>
+          </a:prstGeom>
+        </p:spPr>
+        <p:txBody>
+          <a:bodyPr vert="horz" lIns="91440" tIns="45720" rIns="91440" bIns="45720" rtlCol="0">
+            <a:normAutofit fontScale="92500" lnSpcReduction="20000"/>
+          </a:bodyPr>
+          <a:lstStyle>
+            <a:lvl1pPr marL="228600" indent="-228600" algn="l" defTabSz="914400" rtl="0" eaLnBrk="1" latinLnBrk="0" hangingPunct="1">
+              <a:lnSpc>
+                <a:spcPct val="120000"/>
+              </a:lnSpc>
+              <a:spcBef>
+                <a:spcPts val="1000"/>
+              </a:spcBef>
+              <a:buSzPct val="125000"/>
+              <a:buFont typeface="Arial" panose="020B0604020202020204" pitchFamily="34" charset="0"/>
+              <a:buChar char="•"/>
+              <a:defRPr sz="2400" kern="1200">
+                <a:solidFill>
+                  <a:schemeClr val="tx1"/>
+                </a:solidFill>
+                <a:latin typeface="+mn-lt"/>
+                <a:ea typeface="+mn-ea"/>
+                <a:cs typeface="+mn-cs"/>
+              </a:defRPr>
+            </a:lvl1pPr>
+            <a:lvl2pPr marL="685800" indent="-228600" algn="l" defTabSz="914400" rtl="0" eaLnBrk="1" latinLnBrk="0" hangingPunct="1">
+              <a:lnSpc>
+                <a:spcPct val="120000"/>
+              </a:lnSpc>
+              <a:spcBef>
+                <a:spcPts val="500"/>
+              </a:spcBef>
+              <a:buSzPct val="125000"/>
+              <a:buFont typeface="Arial" panose="020B0604020202020204" pitchFamily="34" charset="0"/>
+              <a:buChar char="•"/>
+              <a:defRPr sz="2000" kern="1200">
+                <a:solidFill>
+                  <a:schemeClr val="tx1"/>
+                </a:solidFill>
+                <a:latin typeface="+mn-lt"/>
+                <a:ea typeface="+mn-ea"/>
+                <a:cs typeface="+mn-cs"/>
+              </a:defRPr>
+            </a:lvl2pPr>
+            <a:lvl3pPr marL="1143000" indent="-228600" algn="l" defTabSz="914400" rtl="0" eaLnBrk="1" latinLnBrk="0" hangingPunct="1">
+              <a:lnSpc>
+                <a:spcPct val="120000"/>
+              </a:lnSpc>
+              <a:spcBef>
+                <a:spcPts val="500"/>
+              </a:spcBef>
+              <a:buSzPct val="125000"/>
+              <a:buFont typeface="Arial" panose="020B0604020202020204" pitchFamily="34" charset="0"/>
+              <a:buChar char="•"/>
+              <a:defRPr sz="1800" kern="1200">
+                <a:solidFill>
+                  <a:schemeClr val="tx1"/>
+                </a:solidFill>
+                <a:latin typeface="+mn-lt"/>
+                <a:ea typeface="+mn-ea"/>
+                <a:cs typeface="+mn-cs"/>
+              </a:defRPr>
+            </a:lvl3pPr>
+            <a:lvl4pPr marL="1600200" indent="-228600" algn="l" defTabSz="914400" rtl="0" eaLnBrk="1" latinLnBrk="0" hangingPunct="1">
+              <a:lnSpc>
+                <a:spcPct val="120000"/>
+              </a:lnSpc>
+              <a:spcBef>
+                <a:spcPts val="500"/>
+              </a:spcBef>
+              <a:buSzPct val="125000"/>
+              <a:buFont typeface="Arial" panose="020B0604020202020204" pitchFamily="34" charset="0"/>
+              <a:buChar char="•"/>
+              <a:defRPr sz="1600" kern="1200">
+                <a:solidFill>
+                  <a:schemeClr val="tx1"/>
+                </a:solidFill>
+                <a:latin typeface="+mn-lt"/>
+                <a:ea typeface="+mn-ea"/>
+                <a:cs typeface="+mn-cs"/>
+              </a:defRPr>
+            </a:lvl4pPr>
+            <a:lvl5pPr marL="2057400" indent="-228600" algn="l" defTabSz="914400" rtl="0" eaLnBrk="1" latinLnBrk="0" hangingPunct="1">
+              <a:lnSpc>
+                <a:spcPct val="120000"/>
+              </a:lnSpc>
+              <a:spcBef>
+                <a:spcPts val="500"/>
+              </a:spcBef>
+              <a:buSzPct val="125000"/>
+              <a:buFont typeface="Arial" panose="020B0604020202020204" pitchFamily="34" charset="0"/>
+              <a:buChar char="•"/>
+              <a:defRPr sz="1600" kern="1200">
+                <a:solidFill>
+                  <a:schemeClr val="tx1"/>
+                </a:solidFill>
+                <a:latin typeface="+mn-lt"/>
+                <a:ea typeface="+mn-ea"/>
+                <a:cs typeface="+mn-cs"/>
+              </a:defRPr>
+            </a:lvl5pPr>
+            <a:lvl6pPr marL="2514600" indent="-228600" algn="l" defTabSz="914400" rtl="0" eaLnBrk="1" latinLnBrk="0" hangingPunct="1">
+              <a:lnSpc>
+                <a:spcPct val="120000"/>
+              </a:lnSpc>
+              <a:spcBef>
+                <a:spcPts val="500"/>
+              </a:spcBef>
+              <a:buSzPct val="125000"/>
+              <a:buFont typeface="Arial" panose="020B0604020202020204" pitchFamily="34" charset="0"/>
+              <a:buChar char="•"/>
+              <a:defRPr sz="1400" kern="1200">
+                <a:solidFill>
+                  <a:schemeClr val="tx1"/>
+                </a:solidFill>
+                <a:latin typeface="+mn-lt"/>
+                <a:ea typeface="+mn-ea"/>
+                <a:cs typeface="+mn-cs"/>
+              </a:defRPr>
+            </a:lvl6pPr>
+            <a:lvl7pPr marL="2971800" indent="-228600" algn="l" defTabSz="914400" rtl="0" eaLnBrk="1" latinLnBrk="0" hangingPunct="1">
+              <a:lnSpc>
+                <a:spcPct val="120000"/>
+              </a:lnSpc>
+              <a:spcBef>
+                <a:spcPts val="500"/>
+              </a:spcBef>
+              <a:buSzPct val="125000"/>
+              <a:buFont typeface="Arial" panose="020B0604020202020204" pitchFamily="34" charset="0"/>
+              <a:buChar char="•"/>
+              <a:defRPr sz="1400" kern="1200">
+                <a:solidFill>
+                  <a:schemeClr val="tx1"/>
+                </a:solidFill>
+                <a:latin typeface="+mn-lt"/>
+                <a:ea typeface="+mn-ea"/>
+                <a:cs typeface="+mn-cs"/>
+              </a:defRPr>
+            </a:lvl7pPr>
+            <a:lvl8pPr marL="3429000" indent="-228600" algn="l" defTabSz="914400" rtl="0" eaLnBrk="1" latinLnBrk="0" hangingPunct="1">
+              <a:lnSpc>
+                <a:spcPct val="120000"/>
+              </a:lnSpc>
+              <a:spcBef>
+                <a:spcPts val="500"/>
+              </a:spcBef>
+              <a:buSzPct val="125000"/>
+              <a:buFont typeface="Arial" panose="020B0604020202020204" pitchFamily="34" charset="0"/>
+              <a:buChar char="•"/>
+              <a:defRPr sz="1400" kern="1200">
+                <a:solidFill>
+                  <a:schemeClr val="tx1"/>
+                </a:solidFill>
+                <a:latin typeface="+mn-lt"/>
+                <a:ea typeface="+mn-ea"/>
+                <a:cs typeface="+mn-cs"/>
+              </a:defRPr>
+            </a:lvl8pPr>
+            <a:lvl9pPr marL="3886200" indent="-228600" algn="l" defTabSz="914400" rtl="0" eaLnBrk="1" latinLnBrk="0" hangingPunct="1">
+              <a:lnSpc>
+                <a:spcPct val="120000"/>
+              </a:lnSpc>
+              <a:spcBef>
+                <a:spcPts val="500"/>
+              </a:spcBef>
+              <a:buSzPct val="125000"/>
+              <a:buFont typeface="Arial" panose="020B0604020202020204" pitchFamily="34" charset="0"/>
+              <a:buChar char="•"/>
+              <a:defRPr sz="1400" kern="1200">
+                <a:solidFill>
+                  <a:schemeClr val="tx1"/>
+                </a:solidFill>
+                <a:latin typeface="+mn-lt"/>
+                <a:ea typeface="+mn-ea"/>
+                <a:cs typeface="+mn-cs"/>
+              </a:defRPr>
+            </a:lvl9pPr>
+          </a:lstStyle>
+          <a:p>
+            <a:r>
+              <a:rPr lang="en-US" dirty="0" smtClean="0"/>
+              <a:t>Instead of putting it all on paper and make the calculations.</a:t>
+            </a:r>
+          </a:p>
+          <a:p>
+            <a:r>
+              <a:rPr lang="en-US" dirty="0" smtClean="0"/>
+              <a:t>Instead of using Excel as the information there is not as secured.</a:t>
             </a:r>
             <a:endParaRPr lang="en-US" dirty="0"/>
           </a:p>
@@ -13206,7 +13762,12 @@
             <p:ph type="title"/>
           </p:nvPr>
         </p:nvSpPr>
-        <p:spPr/>
+        <p:spPr>
+          <a:xfrm>
+            <a:off x="1141413" y="618518"/>
+            <a:ext cx="5616575" cy="1478570"/>
+          </a:xfrm>
+        </p:spPr>
         <p:txBody>
           <a:bodyPr/>
           <a:lstStyle/>
@@ -13229,9 +13790,16 @@
             <p:ph idx="1"/>
           </p:nvPr>
         </p:nvSpPr>
-        <p:spPr/>
+        <p:spPr>
+          <a:xfrm>
+            <a:off x="1141413" y="3128963"/>
+            <a:ext cx="9905999" cy="3002454"/>
+          </a:xfrm>
+        </p:spPr>
         <p:txBody>
-          <a:bodyPr/>
+          <a:bodyPr>
+            <a:normAutofit lnSpcReduction="10000"/>
+          </a:bodyPr>
           <a:lstStyle/>
           <a:p>
             <a:r>
@@ -13259,6 +13827,39 @@
           </a:p>
         </p:txBody>
       </p:sp>
+      <p:pic>
+        <p:nvPicPr>
+          <p:cNvPr id="4" name="Picture 3"/>
+          <p:cNvPicPr>
+            <a:picLocks noChangeAspect="1"/>
+          </p:cNvPicPr>
+          <p:nvPr/>
+        </p:nvPicPr>
+        <p:blipFill>
+          <a:blip r:embed="rId2">
+            <a:extLst>
+              <a:ext uri="{28A0092B-C50C-407E-A947-70E740481C1C}">
+                <a14:useLocalDpi xmlns:a14="http://schemas.microsoft.com/office/drawing/2010/main" val="0"/>
+              </a:ext>
+            </a:extLst>
+          </a:blip>
+          <a:stretch>
+            <a:fillRect/>
+          </a:stretch>
+        </p:blipFill>
+        <p:spPr>
+          <a:xfrm>
+            <a:off x="6657975" y="254490"/>
+            <a:ext cx="4829175" cy="3166553"/>
+          </a:xfrm>
+          <a:prstGeom prst="rect">
+            <a:avLst/>
+          </a:prstGeom>
+          <a:effectLst>
+            <a:softEdge rad="254000"/>
+          </a:effectLst>
+        </p:spPr>
+      </p:pic>
     </p:spTree>
     <p:extLst>
       <p:ext uri="{BB962C8B-B14F-4D97-AF65-F5344CB8AC3E}">
